--- a/concept_eval/diagrams/sw_arch_image_processing.pptx
+++ b/concept_eval/diagrams/sw_arch_image_processing.pptx
@@ -104,6 +104,11 @@
       </a:defRPr>
     </a:lvl9pPr>
   </p:defaultTextStyle>
+  <p:extLst>
+    <p:ext uri="{EFAFB233-063F-42B5-8137-9DF3F51BA10A}">
+      <p15:sldGuideLst xmlns:p15="http://schemas.microsoft.com/office/powerpoint/2012/main"/>
+    </p:ext>
+  </p:extLst>
 </p:presentation>
 </file>
 
@@ -3011,7 +3016,7 @@
                   <a:srgbClr val="000000"/>
                 </a:solidFill>
               </a:rPr>
-              <a:t>Actor</a:t>
+              <a:t>Input Image</a:t>
             </a:r>
             <a:endParaRPr lang="en-US" sz="1200" dirty="0">
               <a:solidFill>
@@ -3068,7 +3073,7 @@
                   <a:srgbClr val="000000"/>
                 </a:solidFill>
               </a:rPr>
-              <a:t>Actor</a:t>
+              <a:t>Data legible by planner</a:t>
             </a:r>
             <a:endParaRPr lang="en-US" sz="1200" dirty="0">
               <a:solidFill>
@@ -3120,12 +3125,20 @@
           <a:p>
             <a:pPr algn="ctr"/>
             <a:r>
+              <a:rPr lang="en-US" sz="1200" dirty="0" err="1" smtClean="0">
+                <a:solidFill>
+                  <a:srgbClr val="000000"/>
+                </a:solidFill>
+              </a:rPr>
+              <a:t>Voxelize</a:t>
+            </a:r>
+            <a:r>
               <a:rPr lang="en-US" sz="1200" dirty="0" smtClean="0">
                 <a:solidFill>
                   <a:srgbClr val="000000"/>
                 </a:solidFill>
               </a:rPr>
-              <a:t>Subsystem</a:t>
+              <a:t> Image</a:t>
             </a:r>
             <a:endParaRPr lang="en-US" sz="1200" dirty="0">
               <a:solidFill>
@@ -3182,7 +3195,7 @@
                   <a:srgbClr val="000000"/>
                 </a:solidFill>
               </a:rPr>
-              <a:t>Subsystem</a:t>
+              <a:t>Line-based Segmentation</a:t>
             </a:r>
             <a:endParaRPr lang="en-US" sz="1200" dirty="0">
               <a:solidFill>
@@ -3200,8 +3213,8 @@
         </p:nvSpPr>
         <p:spPr>
           <a:xfrm>
-            <a:off x="8450166" y="2777864"/>
-            <a:ext cx="1097280" cy="957580"/>
+            <a:off x="8310282" y="2777864"/>
+            <a:ext cx="1237164" cy="957580"/>
           </a:xfrm>
           <a:prstGeom prst="rect">
             <a:avLst/>
@@ -3239,7 +3252,15 @@
                   <a:srgbClr val="000000"/>
                 </a:solidFill>
               </a:rPr>
-              <a:t>Subsystem</a:t>
+              <a:t>Line </a:t>
+            </a:r>
+            <a:r>
+              <a:rPr lang="en-US" sz="1200" dirty="0" err="1" smtClean="0">
+                <a:solidFill>
+                  <a:srgbClr val="000000"/>
+                </a:solidFill>
+              </a:rPr>
+              <a:t>Paramaterization</a:t>
             </a:r>
             <a:endParaRPr lang="en-US" sz="1200" dirty="0">
               <a:solidFill>
@@ -3296,7 +3317,7 @@
                   <a:srgbClr val="000000"/>
                 </a:solidFill>
               </a:rPr>
-              <a:t>Subsystem</a:t>
+              <a:t>Determine voxel occupancy</a:t>
             </a:r>
             <a:endParaRPr lang="en-US" sz="1200" dirty="0">
               <a:solidFill>
@@ -3438,7 +3459,7 @@
         <p:spPr>
           <a:xfrm>
             <a:off x="7549250" y="3256654"/>
-            <a:ext cx="900916" cy="0"/>
+            <a:ext cx="761032" cy="0"/>
           </a:xfrm>
           <a:prstGeom prst="straightConnector1">
             <a:avLst/>

--- a/concept_eval/diagrams/sw_arch_image_processing.pptx
+++ b/concept_eval/diagrams/sw_arch_image_processing.pptx
@@ -3213,8 +3213,8 @@
         </p:nvSpPr>
         <p:spPr>
           <a:xfrm>
-            <a:off x="8310282" y="2777864"/>
-            <a:ext cx="1237164" cy="957580"/>
+            <a:off x="8310281" y="2777864"/>
+            <a:ext cx="1250577" cy="957580"/>
           </a:xfrm>
           <a:prstGeom prst="rect">
             <a:avLst/>
@@ -3252,15 +3252,7 @@
                   <a:srgbClr val="000000"/>
                 </a:solidFill>
               </a:rPr>
-              <a:t>Line </a:t>
-            </a:r>
-            <a:r>
-              <a:rPr lang="en-US" sz="1200" dirty="0" err="1" smtClean="0">
-                <a:solidFill>
-                  <a:srgbClr val="000000"/>
-                </a:solidFill>
-              </a:rPr>
-              <a:t>Paramaterization</a:t>
+              <a:t>Line Parameterization</a:t>
             </a:r>
             <a:endParaRPr lang="en-US" sz="1200" dirty="0">
               <a:solidFill>
@@ -3459,7 +3451,7 @@
         <p:spPr>
           <a:xfrm>
             <a:off x="7549250" y="3256654"/>
-            <a:ext cx="761032" cy="0"/>
+            <a:ext cx="761031" cy="0"/>
           </a:xfrm>
           <a:prstGeom prst="straightConnector1">
             <a:avLst/>
@@ -3498,8 +3490,8 @@
         </p:nvCxnSpPr>
         <p:spPr>
           <a:xfrm>
-            <a:off x="9547446" y="3256654"/>
-            <a:ext cx="900916" cy="0"/>
+            <a:off x="9560858" y="3256654"/>
+            <a:ext cx="887504" cy="0"/>
           </a:xfrm>
           <a:prstGeom prst="straightConnector1">
             <a:avLst/>
